--- a/Performance Evaluation of MLT in Web Page Load Time Prediction - Datasets and Scripts.pptx
+++ b/Performance Evaluation of MLT in Web Page Load Time Prediction - Datasets and Scripts.pptx
@@ -226,7 +226,7 @@
           <a:p>
             <a:fld id="{C09DBB0B-51DF-4B17-BFCC-717E14EEF8E5}" type="datetimeFigureOut">
               <a:rPr lang="en-IN" smtClean="0"/>
-              <a:t>04-04-2020</a:t>
+              <a:t>05-04-2020</a:t>
             </a:fld>
             <a:endParaRPr lang="en-IN"/>
           </a:p>
@@ -643,7 +643,7 @@
           <a:p>
             <a:fld id="{AE6CA53B-3A24-4A5D-9CEE-44C696A870A9}" type="datetimeFigureOut">
               <a:rPr lang="en-IN" smtClean="0"/>
-              <a:t>04-04-2020</a:t>
+              <a:t>05-04-2020</a:t>
             </a:fld>
             <a:endParaRPr lang="en-IN"/>
           </a:p>
@@ -843,7 +843,7 @@
           <a:p>
             <a:fld id="{AE6CA53B-3A24-4A5D-9CEE-44C696A870A9}" type="datetimeFigureOut">
               <a:rPr lang="en-IN" smtClean="0"/>
-              <a:t>04-04-2020</a:t>
+              <a:t>05-04-2020</a:t>
             </a:fld>
             <a:endParaRPr lang="en-IN"/>
           </a:p>
@@ -1053,7 +1053,7 @@
           <a:p>
             <a:fld id="{AE6CA53B-3A24-4A5D-9CEE-44C696A870A9}" type="datetimeFigureOut">
               <a:rPr lang="en-IN" smtClean="0"/>
-              <a:t>04-04-2020</a:t>
+              <a:t>05-04-2020</a:t>
             </a:fld>
             <a:endParaRPr lang="en-IN"/>
           </a:p>
@@ -1253,7 +1253,7 @@
           <a:p>
             <a:fld id="{AE6CA53B-3A24-4A5D-9CEE-44C696A870A9}" type="datetimeFigureOut">
               <a:rPr lang="en-IN" smtClean="0"/>
-              <a:t>04-04-2020</a:t>
+              <a:t>05-04-2020</a:t>
             </a:fld>
             <a:endParaRPr lang="en-IN"/>
           </a:p>
@@ -1529,7 +1529,7 @@
           <a:p>
             <a:fld id="{AE6CA53B-3A24-4A5D-9CEE-44C696A870A9}" type="datetimeFigureOut">
               <a:rPr lang="en-IN" smtClean="0"/>
-              <a:t>04-04-2020</a:t>
+              <a:t>05-04-2020</a:t>
             </a:fld>
             <a:endParaRPr lang="en-IN"/>
           </a:p>
@@ -1797,7 +1797,7 @@
           <a:p>
             <a:fld id="{AE6CA53B-3A24-4A5D-9CEE-44C696A870A9}" type="datetimeFigureOut">
               <a:rPr lang="en-IN" smtClean="0"/>
-              <a:t>04-04-2020</a:t>
+              <a:t>05-04-2020</a:t>
             </a:fld>
             <a:endParaRPr lang="en-IN"/>
           </a:p>
@@ -2212,7 +2212,7 @@
           <a:p>
             <a:fld id="{AE6CA53B-3A24-4A5D-9CEE-44C696A870A9}" type="datetimeFigureOut">
               <a:rPr lang="en-IN" smtClean="0"/>
-              <a:t>04-04-2020</a:t>
+              <a:t>05-04-2020</a:t>
             </a:fld>
             <a:endParaRPr lang="en-IN"/>
           </a:p>
@@ -2354,7 +2354,7 @@
           <a:p>
             <a:fld id="{AE6CA53B-3A24-4A5D-9CEE-44C696A870A9}" type="datetimeFigureOut">
               <a:rPr lang="en-IN" smtClean="0"/>
-              <a:t>04-04-2020</a:t>
+              <a:t>05-04-2020</a:t>
             </a:fld>
             <a:endParaRPr lang="en-IN"/>
           </a:p>
@@ -2467,7 +2467,7 @@
           <a:p>
             <a:fld id="{AE6CA53B-3A24-4A5D-9CEE-44C696A870A9}" type="datetimeFigureOut">
               <a:rPr lang="en-IN" smtClean="0"/>
-              <a:t>04-04-2020</a:t>
+              <a:t>05-04-2020</a:t>
             </a:fld>
             <a:endParaRPr lang="en-IN"/>
           </a:p>
@@ -2780,7 +2780,7 @@
           <a:p>
             <a:fld id="{AE6CA53B-3A24-4A5D-9CEE-44C696A870A9}" type="datetimeFigureOut">
               <a:rPr lang="en-IN" smtClean="0"/>
-              <a:t>04-04-2020</a:t>
+              <a:t>05-04-2020</a:t>
             </a:fld>
             <a:endParaRPr lang="en-IN"/>
           </a:p>
@@ -3069,7 +3069,7 @@
           <a:p>
             <a:fld id="{AE6CA53B-3A24-4A5D-9CEE-44C696A870A9}" type="datetimeFigureOut">
               <a:rPr lang="en-IN" smtClean="0"/>
-              <a:t>04-04-2020</a:t>
+              <a:t>05-04-2020</a:t>
             </a:fld>
             <a:endParaRPr lang="en-IN"/>
           </a:p>
@@ -3312,7 +3312,7 @@
           <a:p>
             <a:fld id="{AE6CA53B-3A24-4A5D-9CEE-44C696A870A9}" type="datetimeFigureOut">
               <a:rPr lang="en-IN" smtClean="0"/>
-              <a:t>04-04-2020</a:t>
+              <a:t>05-04-2020</a:t>
             </a:fld>
             <a:endParaRPr lang="en-IN"/>
           </a:p>
@@ -18232,12 +18232,14 @@
         </p:nvSpPr>
         <p:spPr/>
         <p:txBody>
-          <a:bodyPr/>
+          <a:bodyPr>
+            <a:normAutofit/>
+          </a:bodyPr>
           <a:lstStyle/>
           <a:p>
             <a:r>
-              <a:rPr lang="en-IN" dirty="0"/>
-              <a:t>Element 6: Java utility 2 </a:t>
+              <a:rPr lang="en-IN" sz="4000" dirty="0"/>
+              <a:t>Element 6: ModelPerformanceEvaluationSummary </a:t>
             </a:r>
           </a:p>
         </p:txBody>
@@ -18261,7 +18263,7 @@
         <p:spPr/>
         <p:txBody>
           <a:bodyPr>
-            <a:normAutofit lnSpcReduction="10000"/>
+            <a:normAutofit fontScale="92500" lnSpcReduction="10000"/>
           </a:bodyPr>
           <a:lstStyle/>
           <a:p>
@@ -18279,44 +18281,60 @@
           <a:p>
             <a:pPr lvl="1"/>
             <a:r>
-              <a:rPr lang="en-IN" sz="2000" dirty="0"/>
+              <a:rPr lang="en-IN" sz="2000" dirty="0" err="1"/>
+              <a:t>src</a:t>
+            </a:r>
+            <a:endParaRPr lang="en-IN" sz="2000" dirty="0"/>
+          </a:p>
+          <a:p>
+            <a:pPr lvl="2"/>
+            <a:r>
+              <a:rPr lang="en-IN" sz="1600" dirty="0" err="1"/>
               <a:t>modelsummary.evaluation</a:t>
             </a:r>
-          </a:p>
-          <a:p>
-            <a:pPr lvl="2"/>
+            <a:endParaRPr lang="en-IN" sz="1600" dirty="0"/>
+          </a:p>
+          <a:p>
+            <a:pPr lvl="3"/>
             <a:r>
               <a:rPr lang="en-IN" dirty="0"/>
               <a:t>ModelAccuracy.java			[contains the main method]</a:t>
             </a:r>
           </a:p>
           <a:p>
-            <a:pPr lvl="2"/>
+            <a:pPr lvl="3"/>
             <a:r>
               <a:rPr lang="en-IN" dirty="0"/>
               <a:t>ModelAccuracyDataBeanReader.java</a:t>
             </a:r>
-            <a:endParaRPr lang="en-IN" sz="1600" dirty="0"/>
-          </a:p>
-          <a:p>
-            <a:pPr lvl="1"/>
-            <a:r>
-              <a:rPr lang="en-IN" sz="2000" dirty="0"/>
+            <a:endParaRPr lang="en-IN" sz="1400" dirty="0"/>
+          </a:p>
+          <a:p>
+            <a:pPr lvl="2"/>
+            <a:r>
+              <a:rPr lang="en-IN" sz="1600" dirty="0"/>
               <a:t>modelsummary.evaluation.beans</a:t>
             </a:r>
           </a:p>
           <a:p>
-            <a:pPr lvl="2"/>
+            <a:pPr lvl="3"/>
             <a:r>
               <a:rPr lang="en-IN" dirty="0"/>
               <a:t>ModelAccuracyDataBean.java</a:t>
             </a:r>
           </a:p>
           <a:p>
-            <a:pPr lvl="2"/>
+            <a:pPr lvl="3"/>
             <a:r>
               <a:rPr lang="en-IN" dirty="0"/>
               <a:t>ModelAccuracySummaryBean.java</a:t>
+            </a:r>
+          </a:p>
+          <a:p>
+            <a:pPr lvl="1"/>
+            <a:r>
+              <a:rPr lang="en-IN" dirty="0"/>
+              <a:t>evaluation_set1r.csv			[sample file for testing]</a:t>
             </a:r>
           </a:p>
           <a:p>
@@ -18434,7 +18452,7 @@
         <p:spPr/>
         <p:txBody>
           <a:bodyPr>
-            <a:normAutofit lnSpcReduction="10000"/>
+            <a:normAutofit fontScale="92500" lnSpcReduction="20000"/>
           </a:bodyPr>
           <a:lstStyle/>
           <a:p>
@@ -18506,16 +18524,56 @@
                 <a:latin typeface="Arial" panose="020B0604020202020204" pitchFamily="34" charset="0"/>
                 <a:cs typeface="Arial" panose="020B0604020202020204" pitchFamily="34" charset="0"/>
               </a:rPr>
-              <a:t>java-util1.zip	(in progress)</a:t>
-            </a:r>
-          </a:p>
-          <a:p>
+              <a:t>java-util1.zip	(</a:t>
+            </a:r>
             <a:r>
               <a:rPr lang="en-IN" dirty="0">
-                <a:latin typeface="Arial" panose="020B0604020202020204" pitchFamily="34" charset="0"/>
-                <a:cs typeface="Arial" panose="020B0604020202020204" pitchFamily="34" charset="0"/>
-              </a:rPr>
-              <a:t>java-util2.zip	(in progress)</a:t>
+                <a:highlight>
+                  <a:srgbClr val="FFFF00"/>
+                </a:highlight>
+                <a:latin typeface="Arial" panose="020B0604020202020204" pitchFamily="34" charset="0"/>
+                <a:cs typeface="Arial" panose="020B0604020202020204" pitchFamily="34" charset="0"/>
+              </a:rPr>
+              <a:t>in progress</a:t>
+            </a:r>
+            <a:r>
+              <a:rPr lang="en-IN" dirty="0">
+                <a:latin typeface="Arial" panose="020B0604020202020204" pitchFamily="34" charset="0"/>
+                <a:cs typeface="Arial" panose="020B0604020202020204" pitchFamily="34" charset="0"/>
+              </a:rPr>
+              <a:t>)</a:t>
+            </a:r>
+          </a:p>
+          <a:p>
+            <a:r>
+              <a:rPr lang="en-IN" dirty="0">
+                <a:latin typeface="Arial" panose="020B0604020202020204" pitchFamily="34" charset="0"/>
+                <a:cs typeface="Arial" panose="020B0604020202020204" pitchFamily="34" charset="0"/>
+              </a:rPr>
+              <a:t>ModelPerformanceEvaluationSummary.zip</a:t>
+            </a:r>
+          </a:p>
+          <a:p>
+            <a:r>
+              <a:rPr lang="en-IN" dirty="0">
+                <a:latin typeface="Arial" panose="020B0604020202020204" pitchFamily="34" charset="0"/>
+                <a:cs typeface="Arial" panose="020B0604020202020204" pitchFamily="34" charset="0"/>
+              </a:rPr>
+              <a:t>matlab</a:t>
+            </a:r>
+            <a:r>
+              <a:rPr lang="en-IN">
+                <a:latin typeface="Arial" panose="020B0604020202020204" pitchFamily="34" charset="0"/>
+                <a:cs typeface="Arial" panose="020B0604020202020204" pitchFamily="34" charset="0"/>
+              </a:rPr>
+              <a:t>.zip</a:t>
+            </a:r>
+            <a:r>
+              <a:rPr lang="en-IN" dirty="0">
+                <a:latin typeface="Arial" panose="020B0604020202020204" pitchFamily="34" charset="0"/>
+                <a:cs typeface="Arial" panose="020B0604020202020204" pitchFamily="34" charset="0"/>
+              </a:rPr>
+              <a:t>	</a:t>
             </a:r>
           </a:p>
         </p:txBody>
@@ -19435,7 +19493,21 @@
                 <a:latin typeface="Arial" panose="020B0604020202020204" pitchFamily="34" charset="0"/>
                 <a:cs typeface="Arial" panose="020B0604020202020204" pitchFamily="34" charset="0"/>
               </a:rPr>
-              <a:t>Element 4: Bash scripts</a:t>
+              <a:t>Element 4: Bash/</a:t>
+            </a:r>
+            <a:r>
+              <a:rPr lang="en-IN" sz="2400" dirty="0" err="1">
+                <a:latin typeface="Arial" panose="020B0604020202020204" pitchFamily="34" charset="0"/>
+                <a:cs typeface="Arial" panose="020B0604020202020204" pitchFamily="34" charset="0"/>
+              </a:rPr>
+              <a:t>Matlab</a:t>
+            </a:r>
+            <a:r>
+              <a:rPr lang="en-IN" sz="2400" dirty="0">
+                <a:latin typeface="Arial" panose="020B0604020202020204" pitchFamily="34" charset="0"/>
+                <a:cs typeface="Arial" panose="020B0604020202020204" pitchFamily="34" charset="0"/>
+              </a:rPr>
+              <a:t> scripts</a:t>
             </a:r>
           </a:p>
           <a:p>
@@ -19565,13 +19637,13 @@
         </p:nvSpPr>
         <p:spPr>
           <a:xfrm>
-            <a:off x="838200" y="1825624"/>
-            <a:ext cx="10515600" cy="3379422"/>
+            <a:off x="838200" y="1825623"/>
+            <a:ext cx="10515600" cy="4667252"/>
           </a:xfrm>
         </p:spPr>
         <p:txBody>
           <a:bodyPr>
-            <a:normAutofit/>
+            <a:normAutofit lnSpcReduction="10000"/>
           </a:bodyPr>
           <a:lstStyle/>
           <a:p>
@@ -19589,7 +19661,38 @@
           <a:p>
             <a:r>
               <a:rPr lang="en-IN" dirty="0"/>
-              <a:t>Modify the ‘Display’ option in multcompare to ‘on’ in friedman_batch.m</a:t>
+              <a:t>Modify the ‘Display’ option in multcompare to ‘on’ in </a:t>
+            </a:r>
+            <a:r>
+              <a:rPr lang="en-IN" dirty="0" err="1"/>
+              <a:t>friedman_batch.m</a:t>
+            </a:r>
+            <a:endParaRPr lang="en-IN" dirty="0"/>
+          </a:p>
+          <a:p>
+            <a:endParaRPr lang="en-IN" dirty="0"/>
+          </a:p>
+          <a:p>
+            <a:endParaRPr lang="en-IN" dirty="0"/>
+          </a:p>
+          <a:p>
+            <a:r>
+              <a:rPr lang="en-IN" dirty="0"/>
+              <a:t>Two sample files are enclosed in the package (matlab.zip) for testing</a:t>
+            </a:r>
+          </a:p>
+          <a:p>
+            <a:pPr lvl="1"/>
+            <a:r>
+              <a:rPr lang="en-IN" dirty="0"/>
+              <a:t>friedman_list2.txt</a:t>
+            </a:r>
+          </a:p>
+          <a:p>
+            <a:pPr lvl="1"/>
+            <a:r>
+              <a:rPr lang="en-IN" dirty="0"/>
+              <a:t>pages_informationtechnology90_avp.friedman</a:t>
             </a:r>
           </a:p>
         </p:txBody>
@@ -21740,7 +21843,15 @@
           <a:p>
             <a:r>
               <a:rPr lang="en-IN" dirty="0"/>
-              <a:t>Element 4: Bash scripts</a:t>
+              <a:t>Element 4: Bash/</a:t>
+            </a:r>
+            <a:r>
+              <a:rPr lang="en-IN" dirty="0" err="1"/>
+              <a:t>Matlab</a:t>
+            </a:r>
+            <a:r>
+              <a:rPr lang="en-IN" dirty="0"/>
+              <a:t> scripts</a:t>
             </a:r>
           </a:p>
         </p:txBody>

--- a/Performance Evaluation of MLT in Web Page Load Time Prediction - Datasets and Scripts.pptx
+++ b/Performance Evaluation of MLT in Web Page Load Time Prediction - Datasets and Scripts.pptx
@@ -12205,7 +12205,7 @@
         <p:spPr>
           <a:xfrm>
             <a:off x="7449708" y="3860949"/>
-            <a:ext cx="2932249" cy="276999"/>
+            <a:ext cx="4085800" cy="646331"/>
           </a:xfrm>
           <a:prstGeom prst="rect">
             <a:avLst/>
@@ -12223,6 +12223,10 @@
           </a:bodyPr>
           <a:lstStyle/>
           <a:p>
+            <a:pPr marL="171450" indent="-171450">
+              <a:buFont typeface="Arial" panose="020B0604020202020204" pitchFamily="34" charset="0"/>
+              <a:buChar char="•"/>
+            </a:pPr>
             <a:r>
               <a:rPr lang="en-IN" sz="1200" b="1" dirty="0">
                 <a:latin typeface="Arial" panose="020B0604020202020204" pitchFamily="34" charset="0"/>
@@ -12230,6 +12234,25 @@
               </a:rPr>
               <a:t>This jar is used by step4.bash</a:t>
             </a:r>
+          </a:p>
+          <a:p>
+            <a:pPr marL="171450" indent="-171450">
+              <a:buFont typeface="Arial" panose="020B0604020202020204" pitchFamily="34" charset="0"/>
+              <a:buChar char="•"/>
+            </a:pPr>
+            <a:r>
+              <a:rPr lang="en-IN" sz="1200" b="1" dirty="0">
+                <a:latin typeface="Arial" panose="020B0604020202020204" pitchFamily="34" charset="0"/>
+                <a:cs typeface="Arial" panose="020B0604020202020204" pitchFamily="34" charset="0"/>
+              </a:rPr>
+              <a:t>Refer to Slide 26 for details on the Java project</a:t>
+            </a:r>
+            <a:endParaRPr lang="en-IN" sz="1200" dirty="0">
+              <a:latin typeface="Arial" panose="020B0604020202020204" pitchFamily="34" charset="0"/>
+              <a:cs typeface="Arial" panose="020B0604020202020204" pitchFamily="34" charset="0"/>
+            </a:endParaRPr>
+          </a:p>
+          <a:p>
             <a:endParaRPr lang="en-IN" sz="1200" dirty="0">
               <a:latin typeface="Arial" panose="020B0604020202020204" pitchFamily="34" charset="0"/>
               <a:cs typeface="Arial" panose="020B0604020202020204" pitchFamily="34" charset="0"/>
@@ -14220,7 +14243,7 @@
         <p:spPr>
           <a:xfrm>
             <a:off x="7449708" y="3860949"/>
-            <a:ext cx="2932249" cy="276999"/>
+            <a:ext cx="3904092" cy="461665"/>
           </a:xfrm>
           <a:prstGeom prst="rect">
             <a:avLst/>
@@ -14238,12 +14261,29 @@
           </a:bodyPr>
           <a:lstStyle/>
           <a:p>
+            <a:pPr marL="171450" indent="-171450">
+              <a:buFont typeface="Arial" panose="020B0604020202020204" pitchFamily="34" charset="0"/>
+              <a:buChar char="•"/>
+            </a:pPr>
             <a:r>
               <a:rPr lang="en-IN" sz="1200" b="1" dirty="0">
                 <a:latin typeface="Arial" panose="020B0604020202020204" pitchFamily="34" charset="0"/>
                 <a:cs typeface="Arial" panose="020B0604020202020204" pitchFamily="34" charset="0"/>
               </a:rPr>
               <a:t>This jar is used by step5.bash</a:t>
+            </a:r>
+          </a:p>
+          <a:p>
+            <a:pPr marL="171450" indent="-171450">
+              <a:buFont typeface="Arial" panose="020B0604020202020204" pitchFamily="34" charset="0"/>
+              <a:buChar char="•"/>
+            </a:pPr>
+            <a:r>
+              <a:rPr lang="en-IN" sz="1200" b="1" dirty="0">
+                <a:latin typeface="Arial" panose="020B0604020202020204" pitchFamily="34" charset="0"/>
+                <a:cs typeface="Arial" panose="020B0604020202020204" pitchFamily="34" charset="0"/>
+              </a:rPr>
+              <a:t>Refer to Slide 27 for details on the Java project</a:t>
             </a:r>
             <a:endParaRPr lang="en-IN" sz="1200" dirty="0">
               <a:latin typeface="Arial" panose="020B0604020202020204" pitchFamily="34" charset="0"/>
@@ -18097,7 +18137,7 @@
           <a:p>
             <a:r>
               <a:rPr lang="en-IN" dirty="0"/>
-              <a:t>Element 6: Java utility 1</a:t>
+              <a:t>Element 6: ModelPerformanceEvaluation</a:t>
             </a:r>
           </a:p>
         </p:txBody>
@@ -18120,66 +18160,119 @@
         </p:nvSpPr>
         <p:spPr/>
         <p:txBody>
-          <a:bodyPr/>
+          <a:bodyPr>
+            <a:normAutofit fontScale="85000" lnSpcReduction="20000"/>
+          </a:bodyPr>
           <a:lstStyle/>
           <a:p>
-            <a:endParaRPr lang="en-IN"/>
-          </a:p>
-        </p:txBody>
-      </p:sp>
-      <p:sp>
-        <p:nvSpPr>
-          <p:cNvPr id="4" name="Rectangle 3">
-            <a:extLst>
-              <a:ext uri="{FF2B5EF4-FFF2-40B4-BE49-F238E27FC236}">
-                <a16:creationId xmlns:a16="http://schemas.microsoft.com/office/drawing/2014/main" id="{D282AEBC-E6B9-4DD6-A267-A76D2E3C7A62}"/>
-              </a:ext>
-            </a:extLst>
-          </p:cNvPr>
-          <p:cNvSpPr/>
-          <p:nvPr/>
-        </p:nvSpPr>
-        <p:spPr>
-          <a:xfrm rot="20536508">
-            <a:off x="470926" y="2948326"/>
-            <a:ext cx="10474256" cy="914400"/>
-          </a:xfrm>
-          <a:prstGeom prst="rect">
-            <a:avLst/>
-          </a:prstGeom>
-          <a:solidFill>
-            <a:schemeClr val="bg2"/>
-          </a:solidFill>
-        </p:spPr>
-        <p:style>
-          <a:lnRef idx="2">
-            <a:schemeClr val="accent1">
-              <a:shade val="50000"/>
-            </a:schemeClr>
-          </a:lnRef>
-          <a:fillRef idx="1">
-            <a:schemeClr val="accent1"/>
-          </a:fillRef>
-          <a:effectRef idx="0">
-            <a:schemeClr val="accent1"/>
-          </a:effectRef>
-          <a:fontRef idx="minor">
-            <a:schemeClr val="lt1"/>
-          </a:fontRef>
-        </p:style>
-        <p:txBody>
-          <a:bodyPr rtlCol="0" anchor="ctr"/>
-          <a:lstStyle/>
-          <a:p>
-            <a:pPr algn="ctr"/>
-            <a:r>
-              <a:rPr lang="en-IN" dirty="0">
-                <a:solidFill>
-                  <a:sysClr val="windowText" lastClr="000000"/>
-                </a:solidFill>
-              </a:rPr>
-              <a:t>To be filled</a:t>
-            </a:r>
+            <a:r>
+              <a:rPr lang="en-IN" dirty="0"/>
+              <a:t>Project: ModelPerformanceEvaluation</a:t>
+            </a:r>
+          </a:p>
+          <a:p>
+            <a:r>
+              <a:rPr lang="en-IN" sz="2400" dirty="0"/>
+              <a:t>Structure</a:t>
+            </a:r>
+          </a:p>
+          <a:p>
+            <a:pPr lvl="1"/>
+            <a:r>
+              <a:rPr lang="en-IN" sz="2000" dirty="0" err="1"/>
+              <a:t>src</a:t>
+            </a:r>
+            <a:endParaRPr lang="en-IN" sz="2000" dirty="0"/>
+          </a:p>
+          <a:p>
+            <a:pPr lvl="2"/>
+            <a:r>
+              <a:rPr lang="en-IN" sz="1600" dirty="0" err="1"/>
+              <a:t>model.evaluation</a:t>
+            </a:r>
+            <a:endParaRPr lang="en-IN" sz="1600" dirty="0"/>
+          </a:p>
+          <a:p>
+            <a:pPr lvl="3"/>
+            <a:r>
+              <a:rPr lang="en-IN" dirty="0"/>
+              <a:t>ModelPerformance.java		[contains the main method]</a:t>
+            </a:r>
+          </a:p>
+          <a:p>
+            <a:pPr lvl="3"/>
+            <a:r>
+              <a:rPr lang="en-IN" dirty="0"/>
+              <a:t>ObsExpDataReader.java</a:t>
+            </a:r>
+          </a:p>
+          <a:p>
+            <a:pPr lvl="3"/>
+            <a:r>
+              <a:rPr lang="en-IN" dirty="0"/>
+              <a:t>Result.java</a:t>
+            </a:r>
+          </a:p>
+          <a:p>
+            <a:pPr lvl="3"/>
+            <a:r>
+              <a:rPr lang="en-IN" dirty="0"/>
+              <a:t>ResultCollector.java</a:t>
+            </a:r>
+            <a:endParaRPr lang="en-IN" sz="1400" dirty="0"/>
+          </a:p>
+          <a:p>
+            <a:pPr lvl="2"/>
+            <a:r>
+              <a:rPr lang="en-IN" sz="1600" dirty="0" err="1"/>
+              <a:t>model.evaluation.beans</a:t>
+            </a:r>
+            <a:endParaRPr lang="en-IN" sz="1600" dirty="0"/>
+          </a:p>
+          <a:p>
+            <a:pPr lvl="3"/>
+            <a:r>
+              <a:rPr lang="en-IN" dirty="0"/>
+              <a:t>ObsExpDataBean.java</a:t>
+            </a:r>
+          </a:p>
+          <a:p>
+            <a:pPr lvl="1"/>
+            <a:r>
+              <a:rPr lang="en-IN" dirty="0"/>
+              <a:t>pages_informationtechnology90_avp_rbfreg, pages_informationtechnology90_avp_zr						[sample file for testing]</a:t>
+            </a:r>
+          </a:p>
+          <a:p>
+            <a:r>
+              <a:rPr lang="en-IN" sz="2400" dirty="0"/>
+              <a:t>Dependencies</a:t>
+            </a:r>
+          </a:p>
+          <a:p>
+            <a:pPr lvl="1"/>
+            <a:r>
+              <a:rPr lang="en-IN" sz="2000" dirty="0"/>
+              <a:t>commons-cli-1.4.jar; commons-csv-1.7.jar; commons-math3-3.6.1.jar</a:t>
+            </a:r>
+          </a:p>
+          <a:p>
+            <a:r>
+              <a:rPr lang="en-IN" sz="2400" dirty="0"/>
+              <a:t>Build and export as</a:t>
+            </a:r>
+          </a:p>
+          <a:p>
+            <a:pPr lvl="1"/>
+            <a:r>
+              <a:rPr lang="en-IN" sz="2000" dirty="0"/>
+              <a:t> model-eval.jar</a:t>
+            </a:r>
+          </a:p>
+          <a:p>
+            <a:endParaRPr lang="en-IN" dirty="0"/>
+          </a:p>
+          <a:p>
             <a:endParaRPr lang="en-IN" dirty="0"/>
           </a:p>
         </p:txBody>
@@ -18524,56 +18617,25 @@
                 <a:latin typeface="Arial" panose="020B0604020202020204" pitchFamily="34" charset="0"/>
                 <a:cs typeface="Arial" panose="020B0604020202020204" pitchFamily="34" charset="0"/>
               </a:rPr>
-              <a:t>java-util1.zip	(</a:t>
-            </a:r>
+              <a:t>ModelPerformanceEvaluation.zip	</a:t>
+            </a:r>
+          </a:p>
+          <a:p>
             <a:r>
               <a:rPr lang="en-IN" dirty="0">
-                <a:highlight>
-                  <a:srgbClr val="FFFF00"/>
-                </a:highlight>
-                <a:latin typeface="Arial" panose="020B0604020202020204" pitchFamily="34" charset="0"/>
-                <a:cs typeface="Arial" panose="020B0604020202020204" pitchFamily="34" charset="0"/>
-              </a:rPr>
-              <a:t>in progress</a:t>
-            </a:r>
+                <a:latin typeface="Arial" panose="020B0604020202020204" pitchFamily="34" charset="0"/>
+                <a:cs typeface="Arial" panose="020B0604020202020204" pitchFamily="34" charset="0"/>
+              </a:rPr>
+              <a:t>ModelPerformanceEvaluationSummary.zip</a:t>
+            </a:r>
+          </a:p>
+          <a:p>
             <a:r>
               <a:rPr lang="en-IN" dirty="0">
                 <a:latin typeface="Arial" panose="020B0604020202020204" pitchFamily="34" charset="0"/>
                 <a:cs typeface="Arial" panose="020B0604020202020204" pitchFamily="34" charset="0"/>
               </a:rPr>
-              <a:t>)</a:t>
-            </a:r>
-          </a:p>
-          <a:p>
-            <a:r>
-              <a:rPr lang="en-IN" dirty="0">
-                <a:latin typeface="Arial" panose="020B0604020202020204" pitchFamily="34" charset="0"/>
-                <a:cs typeface="Arial" panose="020B0604020202020204" pitchFamily="34" charset="0"/>
-              </a:rPr>
-              <a:t>ModelPerformanceEvaluationSummary.zip</a:t>
-            </a:r>
-          </a:p>
-          <a:p>
-            <a:r>
-              <a:rPr lang="en-IN" dirty="0">
-                <a:latin typeface="Arial" panose="020B0604020202020204" pitchFamily="34" charset="0"/>
-                <a:cs typeface="Arial" panose="020B0604020202020204" pitchFamily="34" charset="0"/>
-              </a:rPr>
-              <a:t>matlab</a:t>
-            </a:r>
-            <a:r>
-              <a:rPr lang="en-IN">
-                <a:latin typeface="Arial" panose="020B0604020202020204" pitchFamily="34" charset="0"/>
-                <a:cs typeface="Arial" panose="020B0604020202020204" pitchFamily="34" charset="0"/>
-              </a:rPr>
-              <a:t>.zip</a:t>
-            </a:r>
-            <a:r>
-              <a:rPr lang="en-IN" dirty="0">
-                <a:latin typeface="Arial" panose="020B0604020202020204" pitchFamily="34" charset="0"/>
-                <a:cs typeface="Arial" panose="020B0604020202020204" pitchFamily="34" charset="0"/>
-              </a:rPr>
-              <a:t>	</a:t>
+              <a:t>matlab.zip	</a:t>
             </a:r>
           </a:p>
         </p:txBody>
